--- a/Smart_PPT_Factory/assets/master_template.pptx
+++ b/Smart_PPT_Factory/assets/master_template.pptx
@@ -7284,7 +7284,7 @@
         </p:nvSpPr>
         <p:spPr>
           <a:xfrm>
-            <a:off x="139856" y="247189"/>
+            <a:off x="279181" y="109537"/>
             <a:ext cx="11633637" cy="837619"/>
           </a:xfrm>
           <a:prstGeom prst="rect">
@@ -7363,8 +7363,8 @@
         </p:nvSpPr>
         <p:spPr>
           <a:xfrm>
-            <a:off x="1686236" y="1197066"/>
-            <a:ext cx="8627807" cy="4836805"/>
+            <a:off x="513736" y="845574"/>
+            <a:ext cx="11164528" cy="5840361"/>
           </a:xfrm>
           <a:prstGeom prst="rect">
             <a:avLst/>

--- a/Smart_PPT_Factory/assets/master_template.pptx
+++ b/Smart_PPT_Factory/assets/master_template.pptx
@@ -438,6 +438,763 @@
 
 <file path=ppt/slideLayouts/slideLayout10.xml><?xml version="1.0" encoding="utf-8"?>
 <p:sldLayout xmlns:a="http://schemas.openxmlformats.org/drawingml/2006/main" xmlns:r="http://schemas.openxmlformats.org/officeDocument/2006/relationships" xmlns:p="http://schemas.openxmlformats.org/presentationml/2006/main" preserve="1" userDrawn="1">
+  <p:cSld name="开口说">
+    <p:spTree>
+      <p:nvGrpSpPr>
+        <p:cNvPr id="1" name=""/>
+        <p:cNvGrpSpPr/>
+        <p:nvPr/>
+      </p:nvGrpSpPr>
+      <p:grpSpPr>
+        <a:xfrm>
+          <a:off x="0" y="0"/>
+          <a:ext cx="0" cy="0"/>
+          <a:chOff x="0" y="0"/>
+          <a:chExt cx="0" cy="0"/>
+        </a:xfrm>
+      </p:grpSpPr>
+      <p:sp>
+        <p:nvSpPr>
+          <p:cNvPr id="3" name="任意多边形: 形状 2">
+            <a:extLst>
+              <a:ext uri="{FF2B5EF4-FFF2-40B4-BE49-F238E27FC236}">
+                <a16:creationId xmlns:a16="http://schemas.microsoft.com/office/drawing/2014/main" id="{727E343C-C8BD-3BEC-0E0C-829819A63BC6}"/>
+              </a:ext>
+            </a:extLst>
+          </p:cNvPr>
+          <p:cNvSpPr/>
+          <p:nvPr userDrawn="1"/>
+        </p:nvSpPr>
+        <p:spPr>
+          <a:xfrm>
+            <a:off x="453389" y="429728"/>
+            <a:ext cx="609685" cy="549607"/>
+          </a:xfrm>
+          <a:custGeom>
+            <a:avLst/>
+            <a:gdLst>
+              <a:gd name="T0" fmla="*/ 5553 w 8160"/>
+              <a:gd name="T1" fmla="*/ 6233 h 7366"/>
+              <a:gd name="T2" fmla="*/ 5553 w 8160"/>
+              <a:gd name="T3" fmla="*/ 6775 h 7366"/>
+              <a:gd name="T4" fmla="*/ 5421 w 8160"/>
+              <a:gd name="T5" fmla="*/ 6981 h 7366"/>
+              <a:gd name="T6" fmla="*/ 2777 w 8160"/>
+              <a:gd name="T7" fmla="*/ 7366 h 7366"/>
+              <a:gd name="T8" fmla="*/ 132 w 8160"/>
+              <a:gd name="T9" fmla="*/ 6981 h 7366"/>
+              <a:gd name="T10" fmla="*/ 0 w 8160"/>
+              <a:gd name="T11" fmla="*/ 6775 h 7366"/>
+              <a:gd name="T12" fmla="*/ 0 w 8160"/>
+              <a:gd name="T13" fmla="*/ 6233 h 7366"/>
+              <a:gd name="T14" fmla="*/ 1407 w 8160"/>
+              <a:gd name="T15" fmla="*/ 4658 h 7366"/>
+              <a:gd name="T16" fmla="*/ 1486 w 8160"/>
+              <a:gd name="T17" fmla="*/ 4679 h 7366"/>
+              <a:gd name="T18" fmla="*/ 2777 w 8160"/>
+              <a:gd name="T19" fmla="*/ 5100 h 7366"/>
+              <a:gd name="T20" fmla="*/ 4068 w 8160"/>
+              <a:gd name="T21" fmla="*/ 4679 h 7366"/>
+              <a:gd name="T22" fmla="*/ 4147 w 8160"/>
+              <a:gd name="T23" fmla="*/ 4658 h 7366"/>
+              <a:gd name="T24" fmla="*/ 5553 w 8160"/>
+              <a:gd name="T25" fmla="*/ 6233 h 7366"/>
+              <a:gd name="T26" fmla="*/ 1133 w 8160"/>
+              <a:gd name="T27" fmla="*/ 2890 h 7366"/>
+              <a:gd name="T28" fmla="*/ 2777 w 8160"/>
+              <a:gd name="T29" fmla="*/ 1246 h 7366"/>
+              <a:gd name="T30" fmla="*/ 4420 w 8160"/>
+              <a:gd name="T31" fmla="*/ 2890 h 7366"/>
+              <a:gd name="T32" fmla="*/ 2777 w 8160"/>
+              <a:gd name="T33" fmla="*/ 4533 h 7366"/>
+              <a:gd name="T34" fmla="*/ 1133 w 8160"/>
+              <a:gd name="T35" fmla="*/ 2890 h 7366"/>
+              <a:gd name="T36" fmla="*/ 1999 w 8160"/>
+              <a:gd name="T37" fmla="*/ 3542 h 7366"/>
+              <a:gd name="T38" fmla="*/ 2778 w 8160"/>
+              <a:gd name="T39" fmla="*/ 3975 h 7366"/>
+              <a:gd name="T40" fmla="*/ 3557 w 8160"/>
+              <a:gd name="T41" fmla="*/ 3542 h 7366"/>
+              <a:gd name="T42" fmla="*/ 1999 w 8160"/>
+              <a:gd name="T43" fmla="*/ 3542 h 7366"/>
+              <a:gd name="T44" fmla="*/ 7820 w 8160"/>
+              <a:gd name="T45" fmla="*/ 0 h 7366"/>
+              <a:gd name="T46" fmla="*/ 5100 w 8160"/>
+              <a:gd name="T47" fmla="*/ 0 h 7366"/>
+              <a:gd name="T48" fmla="*/ 4760 w 8160"/>
+              <a:gd name="T49" fmla="*/ 340 h 7366"/>
+              <a:gd name="T50" fmla="*/ 4760 w 8160"/>
+              <a:gd name="T51" fmla="*/ 1930 h 7366"/>
+              <a:gd name="T52" fmla="*/ 5097 w 8160"/>
+              <a:gd name="T53" fmla="*/ 2266 h 7366"/>
+              <a:gd name="T54" fmla="*/ 5100 w 8160"/>
+              <a:gd name="T55" fmla="*/ 2266 h 7366"/>
+              <a:gd name="T56" fmla="*/ 5100 w 8160"/>
+              <a:gd name="T57" fmla="*/ 2720 h 7366"/>
+              <a:gd name="T58" fmla="*/ 5281 w 8160"/>
+              <a:gd name="T59" fmla="*/ 2810 h 7366"/>
+              <a:gd name="T60" fmla="*/ 5976 w 8160"/>
+              <a:gd name="T61" fmla="*/ 2289 h 7366"/>
+              <a:gd name="T62" fmla="*/ 6044 w 8160"/>
+              <a:gd name="T63" fmla="*/ 2266 h 7366"/>
+              <a:gd name="T64" fmla="*/ 7820 w 8160"/>
+              <a:gd name="T65" fmla="*/ 2266 h 7366"/>
+              <a:gd name="T66" fmla="*/ 8160 w 8160"/>
+              <a:gd name="T67" fmla="*/ 1926 h 7366"/>
+              <a:gd name="T68" fmla="*/ 8160 w 8160"/>
+              <a:gd name="T69" fmla="*/ 340 h 7366"/>
+              <a:gd name="T70" fmla="*/ 7820 w 8160"/>
+              <a:gd name="T71" fmla="*/ 0 h 7366"/>
+            </a:gdLst>
+            <a:ahLst/>
+            <a:cxnLst>
+              <a:cxn ang="0">
+                <a:pos x="T0" y="T1"/>
+              </a:cxn>
+              <a:cxn ang="0">
+                <a:pos x="T2" y="T3"/>
+              </a:cxn>
+              <a:cxn ang="0">
+                <a:pos x="T4" y="T5"/>
+              </a:cxn>
+              <a:cxn ang="0">
+                <a:pos x="T6" y="T7"/>
+              </a:cxn>
+              <a:cxn ang="0">
+                <a:pos x="T8" y="T9"/>
+              </a:cxn>
+              <a:cxn ang="0">
+                <a:pos x="T10" y="T11"/>
+              </a:cxn>
+              <a:cxn ang="0">
+                <a:pos x="T12" y="T13"/>
+              </a:cxn>
+              <a:cxn ang="0">
+                <a:pos x="T14" y="T15"/>
+              </a:cxn>
+              <a:cxn ang="0">
+                <a:pos x="T16" y="T17"/>
+              </a:cxn>
+              <a:cxn ang="0">
+                <a:pos x="T18" y="T19"/>
+              </a:cxn>
+              <a:cxn ang="0">
+                <a:pos x="T20" y="T21"/>
+              </a:cxn>
+              <a:cxn ang="0">
+                <a:pos x="T22" y="T23"/>
+              </a:cxn>
+              <a:cxn ang="0">
+                <a:pos x="T24" y="T25"/>
+              </a:cxn>
+              <a:cxn ang="0">
+                <a:pos x="T26" y="T27"/>
+              </a:cxn>
+              <a:cxn ang="0">
+                <a:pos x="T28" y="T29"/>
+              </a:cxn>
+              <a:cxn ang="0">
+                <a:pos x="T30" y="T31"/>
+              </a:cxn>
+              <a:cxn ang="0">
+                <a:pos x="T32" y="T33"/>
+              </a:cxn>
+              <a:cxn ang="0">
+                <a:pos x="T34" y="T35"/>
+              </a:cxn>
+              <a:cxn ang="0">
+                <a:pos x="T36" y="T37"/>
+              </a:cxn>
+              <a:cxn ang="0">
+                <a:pos x="T38" y="T39"/>
+              </a:cxn>
+              <a:cxn ang="0">
+                <a:pos x="T40" y="T41"/>
+              </a:cxn>
+              <a:cxn ang="0">
+                <a:pos x="T42" y="T43"/>
+              </a:cxn>
+              <a:cxn ang="0">
+                <a:pos x="T44" y="T45"/>
+              </a:cxn>
+              <a:cxn ang="0">
+                <a:pos x="T46" y="T47"/>
+              </a:cxn>
+              <a:cxn ang="0">
+                <a:pos x="T48" y="T49"/>
+              </a:cxn>
+              <a:cxn ang="0">
+                <a:pos x="T50" y="T51"/>
+              </a:cxn>
+              <a:cxn ang="0">
+                <a:pos x="T52" y="T53"/>
+              </a:cxn>
+              <a:cxn ang="0">
+                <a:pos x="T54" y="T55"/>
+              </a:cxn>
+              <a:cxn ang="0">
+                <a:pos x="T56" y="T57"/>
+              </a:cxn>
+              <a:cxn ang="0">
+                <a:pos x="T58" y="T59"/>
+              </a:cxn>
+              <a:cxn ang="0">
+                <a:pos x="T60" y="T61"/>
+              </a:cxn>
+              <a:cxn ang="0">
+                <a:pos x="T62" y="T63"/>
+              </a:cxn>
+              <a:cxn ang="0">
+                <a:pos x="T64" y="T65"/>
+              </a:cxn>
+              <a:cxn ang="0">
+                <a:pos x="T66" y="T67"/>
+              </a:cxn>
+              <a:cxn ang="0">
+                <a:pos x="T68" y="T69"/>
+              </a:cxn>
+              <a:cxn ang="0">
+                <a:pos x="T70" y="T71"/>
+              </a:cxn>
+            </a:cxnLst>
+            <a:rect l="0" t="0" r="r" b="b"/>
+            <a:pathLst>
+              <a:path w="8160" h="7366">
+                <a:moveTo>
+                  <a:pt x="5553" y="6233"/>
+                </a:moveTo>
+                <a:lnTo>
+                  <a:pt x="5553" y="6775"/>
+                </a:lnTo>
+                <a:cubicBezTo>
+                  <a:pt x="5553" y="6855"/>
+                  <a:pt x="5494" y="6948"/>
+                  <a:pt x="5421" y="6981"/>
+                </a:cubicBezTo>
+                <a:cubicBezTo>
+                  <a:pt x="5137" y="7107"/>
+                  <a:pt x="4361" y="7366"/>
+                  <a:pt x="2777" y="7366"/>
+                </a:cubicBezTo>
+                <a:cubicBezTo>
+                  <a:pt x="1192" y="7366"/>
+                  <a:pt x="417" y="7107"/>
+                  <a:pt x="132" y="6981"/>
+                </a:cubicBezTo>
+                <a:cubicBezTo>
+                  <a:pt x="59" y="6948"/>
+                  <a:pt x="0" y="6855"/>
+                  <a:pt x="0" y="6775"/>
+                </a:cubicBezTo>
+                <a:lnTo>
+                  <a:pt x="0" y="6233"/>
+                </a:lnTo>
+                <a:cubicBezTo>
+                  <a:pt x="0" y="5421"/>
+                  <a:pt x="618" y="4748"/>
+                  <a:pt x="1407" y="4658"/>
+                </a:cubicBezTo>
+                <a:cubicBezTo>
+                  <a:pt x="1431" y="4655"/>
+                  <a:pt x="1466" y="4665"/>
+                  <a:pt x="1486" y="4679"/>
+                </a:cubicBezTo>
+                <a:cubicBezTo>
+                  <a:pt x="1849" y="4943"/>
+                  <a:pt x="2294" y="5100"/>
+                  <a:pt x="2777" y="5100"/>
+                </a:cubicBezTo>
+                <a:cubicBezTo>
+                  <a:pt x="3259" y="5100"/>
+                  <a:pt x="3704" y="4943"/>
+                  <a:pt x="4068" y="4679"/>
+                </a:cubicBezTo>
+                <a:cubicBezTo>
+                  <a:pt x="4087" y="4665"/>
+                  <a:pt x="4123" y="4655"/>
+                  <a:pt x="4147" y="4658"/>
+                </a:cubicBezTo>
+                <a:cubicBezTo>
+                  <a:pt x="4935" y="4748"/>
+                  <a:pt x="5553" y="5421"/>
+                  <a:pt x="5553" y="6233"/>
+                </a:cubicBezTo>
+                <a:close/>
+                <a:moveTo>
+                  <a:pt x="1133" y="2890"/>
+                </a:moveTo>
+                <a:cubicBezTo>
+                  <a:pt x="1133" y="1982"/>
+                  <a:pt x="1869" y="1246"/>
+                  <a:pt x="2777" y="1246"/>
+                </a:cubicBezTo>
+                <a:cubicBezTo>
+                  <a:pt x="3684" y="1246"/>
+                  <a:pt x="4420" y="1982"/>
+                  <a:pt x="4420" y="2890"/>
+                </a:cubicBezTo>
+                <a:cubicBezTo>
+                  <a:pt x="4420" y="3797"/>
+                  <a:pt x="3684" y="4533"/>
+                  <a:pt x="2777" y="4533"/>
+                </a:cubicBezTo>
+                <a:cubicBezTo>
+                  <a:pt x="1869" y="4533"/>
+                  <a:pt x="1133" y="3797"/>
+                  <a:pt x="1133" y="2890"/>
+                </a:cubicBezTo>
+                <a:close/>
+                <a:moveTo>
+                  <a:pt x="1999" y="3542"/>
+                </a:moveTo>
+                <a:cubicBezTo>
+                  <a:pt x="2074" y="3789"/>
+                  <a:pt x="2394" y="3975"/>
+                  <a:pt x="2778" y="3975"/>
+                </a:cubicBezTo>
+                <a:cubicBezTo>
+                  <a:pt x="3162" y="3975"/>
+                  <a:pt x="3482" y="3789"/>
+                  <a:pt x="3557" y="3542"/>
+                </a:cubicBezTo>
+                <a:lnTo>
+                  <a:pt x="1999" y="3542"/>
+                </a:lnTo>
+                <a:close/>
+                <a:moveTo>
+                  <a:pt x="7820" y="0"/>
+                </a:moveTo>
+                <a:lnTo>
+                  <a:pt x="5100" y="0"/>
+                </a:lnTo>
+                <a:cubicBezTo>
+                  <a:pt x="4913" y="0"/>
+                  <a:pt x="4760" y="153"/>
+                  <a:pt x="4760" y="340"/>
+                </a:cubicBezTo>
+                <a:lnTo>
+                  <a:pt x="4760" y="1930"/>
+                </a:lnTo>
+                <a:cubicBezTo>
+                  <a:pt x="4760" y="2115"/>
+                  <a:pt x="4911" y="2266"/>
+                  <a:pt x="5097" y="2266"/>
+                </a:cubicBezTo>
+                <a:lnTo>
+                  <a:pt x="5100" y="2266"/>
+                </a:lnTo>
+                <a:lnTo>
+                  <a:pt x="5100" y="2720"/>
+                </a:lnTo>
+                <a:cubicBezTo>
+                  <a:pt x="5100" y="2813"/>
+                  <a:pt x="5207" y="2866"/>
+                  <a:pt x="5281" y="2810"/>
+                </a:cubicBezTo>
+                <a:lnTo>
+                  <a:pt x="5976" y="2289"/>
+                </a:lnTo>
+                <a:cubicBezTo>
+                  <a:pt x="5993" y="2277"/>
+                  <a:pt x="6024" y="2266"/>
+                  <a:pt x="6044" y="2266"/>
+                </a:cubicBezTo>
+                <a:lnTo>
+                  <a:pt x="7820" y="2266"/>
+                </a:lnTo>
+                <a:cubicBezTo>
+                  <a:pt x="8007" y="2266"/>
+                  <a:pt x="8160" y="2113"/>
+                  <a:pt x="8160" y="1926"/>
+                </a:cubicBezTo>
+                <a:lnTo>
+                  <a:pt x="8160" y="340"/>
+                </a:lnTo>
+                <a:cubicBezTo>
+                  <a:pt x="8160" y="153"/>
+                  <a:pt x="8007" y="0"/>
+                  <a:pt x="7820" y="0"/>
+                </a:cubicBezTo>
+                <a:close/>
+              </a:path>
+            </a:pathLst>
+          </a:custGeom>
+          <a:solidFill>
+            <a:schemeClr val="accent1"/>
+          </a:solidFill>
+          <a:ln>
+            <a:noFill/>
+          </a:ln>
+        </p:spPr>
+        <p:style>
+          <a:lnRef idx="2">
+            <a:schemeClr val="accent1">
+              <a:shade val="50000"/>
+            </a:schemeClr>
+          </a:lnRef>
+          <a:fillRef idx="1">
+            <a:schemeClr val="accent1"/>
+          </a:fillRef>
+          <a:effectRef idx="0">
+            <a:schemeClr val="accent1"/>
+          </a:effectRef>
+          <a:fontRef idx="minor">
+            <a:schemeClr val="lt1"/>
+          </a:fontRef>
+        </p:style>
+        <p:txBody>
+          <a:bodyPr rtlCol="0" anchor="ctr"/>
+          <a:lstStyle/>
+          <a:p>
+            <a:pPr algn="ctr"/>
+            <a:endParaRPr lang="en-US"/>
+          </a:p>
+        </p:txBody>
+      </p:sp>
+      <p:sp>
+        <p:nvSpPr>
+          <p:cNvPr id="4" name="标题 10">
+            <a:extLst>
+              <a:ext uri="{FF2B5EF4-FFF2-40B4-BE49-F238E27FC236}">
+                <a16:creationId xmlns:a16="http://schemas.microsoft.com/office/drawing/2014/main" id="{9B0BD4A8-6EE8-6FF2-DB00-64B39DC8BCF9}"/>
+              </a:ext>
+            </a:extLst>
+          </p:cNvPr>
+          <p:cNvSpPr txBox="1"/>
+          <p:nvPr userDrawn="1"/>
+        </p:nvSpPr>
+        <p:spPr>
+          <a:xfrm>
+            <a:off x="1293632" y="461733"/>
+            <a:ext cx="1894069" cy="517602"/>
+          </a:xfrm>
+          <a:prstGeom prst="rect">
+            <a:avLst/>
+          </a:prstGeom>
+        </p:spPr>
+        <p:txBody>
+          <a:bodyPr/>
+          <a:lstStyle>
+            <a:lvl1pPr marL="0" marR="0" indent="0" algn="ctr" defTabSz="825500" rtl="0" latinLnBrk="0">
+              <a:lnSpc>
+                <a:spcPct val="100000"/>
+              </a:lnSpc>
+              <a:spcBef>
+                <a:spcPts val="0"/>
+              </a:spcBef>
+              <a:spcAft>
+                <a:spcPts val="0"/>
+              </a:spcAft>
+              <a:buClrTx/>
+              <a:buSzTx/>
+              <a:buFontTx/>
+              <a:buNone/>
+              <a:defRPr sz="11200" b="0" i="0" u="none" strike="noStrike" cap="none" spc="0" baseline="0">
+                <a:ln>
+                  <a:noFill/>
+                </a:ln>
+                <a:solidFill>
+                  <a:srgbClr val="000000"/>
+                </a:solidFill>
+                <a:uFillTx/>
+                <a:latin typeface="+mj-lt"/>
+                <a:ea typeface="+mj-ea"/>
+                <a:cs typeface="+mn-cs"/>
+                <a:sym typeface="Helvetica Neue Medium" panose="02000503000000020004"/>
+              </a:defRPr>
+            </a:lvl1pPr>
+            <a:lvl2pPr marL="0" marR="0" indent="0" algn="ctr" defTabSz="825500" rtl="0" latinLnBrk="0">
+              <a:lnSpc>
+                <a:spcPct val="100000"/>
+              </a:lnSpc>
+              <a:spcBef>
+                <a:spcPts val="0"/>
+              </a:spcBef>
+              <a:spcAft>
+                <a:spcPts val="0"/>
+              </a:spcAft>
+              <a:buClrTx/>
+              <a:buSzTx/>
+              <a:buFontTx/>
+              <a:buNone/>
+              <a:defRPr sz="11200" b="0" i="0" u="none" strike="noStrike" cap="none" spc="0" baseline="0">
+                <a:ln>
+                  <a:noFill/>
+                </a:ln>
+                <a:solidFill>
+                  <a:srgbClr val="000000"/>
+                </a:solidFill>
+                <a:uFillTx/>
+                <a:latin typeface="+mn-lt"/>
+                <a:ea typeface="+mn-ea"/>
+                <a:cs typeface="+mn-cs"/>
+                <a:sym typeface="Helvetica Neue Medium" panose="02000503000000020004"/>
+              </a:defRPr>
+            </a:lvl2pPr>
+            <a:lvl3pPr marL="0" marR="0" indent="0" algn="ctr" defTabSz="825500" rtl="0" latinLnBrk="0">
+              <a:lnSpc>
+                <a:spcPct val="100000"/>
+              </a:lnSpc>
+              <a:spcBef>
+                <a:spcPts val="0"/>
+              </a:spcBef>
+              <a:spcAft>
+                <a:spcPts val="0"/>
+              </a:spcAft>
+              <a:buClrTx/>
+              <a:buSzTx/>
+              <a:buFontTx/>
+              <a:buNone/>
+              <a:defRPr sz="11200" b="0" i="0" u="none" strike="noStrike" cap="none" spc="0" baseline="0">
+                <a:ln>
+                  <a:noFill/>
+                </a:ln>
+                <a:solidFill>
+                  <a:srgbClr val="000000"/>
+                </a:solidFill>
+                <a:uFillTx/>
+                <a:latin typeface="+mn-lt"/>
+                <a:ea typeface="+mn-ea"/>
+                <a:cs typeface="+mn-cs"/>
+                <a:sym typeface="Helvetica Neue Medium" panose="02000503000000020004"/>
+              </a:defRPr>
+            </a:lvl3pPr>
+            <a:lvl4pPr marL="0" marR="0" indent="0" algn="ctr" defTabSz="825500" rtl="0" latinLnBrk="0">
+              <a:lnSpc>
+                <a:spcPct val="100000"/>
+              </a:lnSpc>
+              <a:spcBef>
+                <a:spcPts val="0"/>
+              </a:spcBef>
+              <a:spcAft>
+                <a:spcPts val="0"/>
+              </a:spcAft>
+              <a:buClrTx/>
+              <a:buSzTx/>
+              <a:buFontTx/>
+              <a:buNone/>
+              <a:defRPr sz="11200" b="0" i="0" u="none" strike="noStrike" cap="none" spc="0" baseline="0">
+                <a:ln>
+                  <a:noFill/>
+                </a:ln>
+                <a:solidFill>
+                  <a:srgbClr val="000000"/>
+                </a:solidFill>
+                <a:uFillTx/>
+                <a:latin typeface="+mn-lt"/>
+                <a:ea typeface="+mn-ea"/>
+                <a:cs typeface="+mn-cs"/>
+                <a:sym typeface="Helvetica Neue Medium" panose="02000503000000020004"/>
+              </a:defRPr>
+            </a:lvl4pPr>
+            <a:lvl5pPr marL="0" marR="0" indent="0" algn="ctr" defTabSz="825500" rtl="0" latinLnBrk="0">
+              <a:lnSpc>
+                <a:spcPct val="100000"/>
+              </a:lnSpc>
+              <a:spcBef>
+                <a:spcPts val="0"/>
+              </a:spcBef>
+              <a:spcAft>
+                <a:spcPts val="0"/>
+              </a:spcAft>
+              <a:buClrTx/>
+              <a:buSzTx/>
+              <a:buFontTx/>
+              <a:buNone/>
+              <a:defRPr sz="11200" b="0" i="0" u="none" strike="noStrike" cap="none" spc="0" baseline="0">
+                <a:ln>
+                  <a:noFill/>
+                </a:ln>
+                <a:solidFill>
+                  <a:srgbClr val="000000"/>
+                </a:solidFill>
+                <a:uFillTx/>
+                <a:latin typeface="+mn-lt"/>
+                <a:ea typeface="+mn-ea"/>
+                <a:cs typeface="+mn-cs"/>
+                <a:sym typeface="Helvetica Neue Medium" panose="02000503000000020004"/>
+              </a:defRPr>
+            </a:lvl5pPr>
+            <a:lvl6pPr marL="0" marR="0" indent="0" algn="ctr" defTabSz="825500" rtl="0" latinLnBrk="0">
+              <a:lnSpc>
+                <a:spcPct val="100000"/>
+              </a:lnSpc>
+              <a:spcBef>
+                <a:spcPts val="0"/>
+              </a:spcBef>
+              <a:spcAft>
+                <a:spcPts val="0"/>
+              </a:spcAft>
+              <a:buClrTx/>
+              <a:buSzTx/>
+              <a:buFontTx/>
+              <a:buNone/>
+              <a:defRPr sz="11200" b="0" i="0" u="none" strike="noStrike" cap="none" spc="0" baseline="0">
+                <a:ln>
+                  <a:noFill/>
+                </a:ln>
+                <a:solidFill>
+                  <a:srgbClr val="000000"/>
+                </a:solidFill>
+                <a:uFillTx/>
+                <a:latin typeface="+mn-lt"/>
+                <a:ea typeface="+mn-ea"/>
+                <a:cs typeface="+mn-cs"/>
+                <a:sym typeface="Helvetica Neue Medium" panose="02000503000000020004"/>
+              </a:defRPr>
+            </a:lvl6pPr>
+            <a:lvl7pPr marL="0" marR="0" indent="0" algn="ctr" defTabSz="825500" rtl="0" latinLnBrk="0">
+              <a:lnSpc>
+                <a:spcPct val="100000"/>
+              </a:lnSpc>
+              <a:spcBef>
+                <a:spcPts val="0"/>
+              </a:spcBef>
+              <a:spcAft>
+                <a:spcPts val="0"/>
+              </a:spcAft>
+              <a:buClrTx/>
+              <a:buSzTx/>
+              <a:buFontTx/>
+              <a:buNone/>
+              <a:defRPr sz="11200" b="0" i="0" u="none" strike="noStrike" cap="none" spc="0" baseline="0">
+                <a:ln>
+                  <a:noFill/>
+                </a:ln>
+                <a:solidFill>
+                  <a:srgbClr val="000000"/>
+                </a:solidFill>
+                <a:uFillTx/>
+                <a:latin typeface="+mn-lt"/>
+                <a:ea typeface="+mn-ea"/>
+                <a:cs typeface="+mn-cs"/>
+                <a:sym typeface="Helvetica Neue Medium" panose="02000503000000020004"/>
+              </a:defRPr>
+            </a:lvl7pPr>
+            <a:lvl8pPr marL="0" marR="0" indent="0" algn="ctr" defTabSz="825500" rtl="0" latinLnBrk="0">
+              <a:lnSpc>
+                <a:spcPct val="100000"/>
+              </a:lnSpc>
+              <a:spcBef>
+                <a:spcPts val="0"/>
+              </a:spcBef>
+              <a:spcAft>
+                <a:spcPts val="0"/>
+              </a:spcAft>
+              <a:buClrTx/>
+              <a:buSzTx/>
+              <a:buFontTx/>
+              <a:buNone/>
+              <a:defRPr sz="11200" b="0" i="0" u="none" strike="noStrike" cap="none" spc="0" baseline="0">
+                <a:ln>
+                  <a:noFill/>
+                </a:ln>
+                <a:solidFill>
+                  <a:srgbClr val="000000"/>
+                </a:solidFill>
+                <a:uFillTx/>
+                <a:latin typeface="+mn-lt"/>
+                <a:ea typeface="+mn-ea"/>
+                <a:cs typeface="+mn-cs"/>
+                <a:sym typeface="Helvetica Neue Medium" panose="02000503000000020004"/>
+              </a:defRPr>
+            </a:lvl8pPr>
+            <a:lvl9pPr marL="0" marR="0" indent="0" algn="ctr" defTabSz="825500" rtl="0" latinLnBrk="0">
+              <a:lnSpc>
+                <a:spcPct val="100000"/>
+              </a:lnSpc>
+              <a:spcBef>
+                <a:spcPts val="0"/>
+              </a:spcBef>
+              <a:spcAft>
+                <a:spcPts val="0"/>
+              </a:spcAft>
+              <a:buClrTx/>
+              <a:buSzTx/>
+              <a:buFontTx/>
+              <a:buNone/>
+              <a:defRPr sz="11200" b="0" i="0" u="none" strike="noStrike" cap="none" spc="0" baseline="0">
+                <a:ln>
+                  <a:noFill/>
+                </a:ln>
+                <a:solidFill>
+                  <a:srgbClr val="000000"/>
+                </a:solidFill>
+                <a:uFillTx/>
+                <a:latin typeface="+mn-lt"/>
+                <a:ea typeface="+mn-ea"/>
+                <a:cs typeface="+mn-cs"/>
+                <a:sym typeface="Helvetica Neue Medium" panose="02000503000000020004"/>
+              </a:defRPr>
+            </a:lvl9pPr>
+          </a:lstStyle>
+          <a:p>
+            <a:pPr algn="l" hangingPunct="1"/>
+            <a:r>
+              <a:rPr lang="zh-CN" altLang="en-US" sz="3300" b="1" dirty="0">
+                <a:solidFill>
+                  <a:schemeClr val="accent1"/>
+                </a:solidFill>
+              </a:rPr>
+              <a:t>开口说</a:t>
+            </a:r>
+          </a:p>
+        </p:txBody>
+      </p:sp>
+      <p:sp>
+        <p:nvSpPr>
+          <p:cNvPr id="7" name="文本占位符 6">
+            <a:extLst>
+              <a:ext uri="{FF2B5EF4-FFF2-40B4-BE49-F238E27FC236}">
+                <a16:creationId xmlns:a16="http://schemas.microsoft.com/office/drawing/2014/main" id="{BB727C42-8A48-C5EF-3364-46A3FCD8A096}"/>
+              </a:ext>
+            </a:extLst>
+          </p:cNvPr>
+          <p:cNvSpPr>
+            <a:spLocks noGrp="1"/>
+          </p:cNvSpPr>
+          <p:nvPr>
+            <p:ph type="body" sz="quarter" idx="10"/>
+          </p:nvPr>
+        </p:nvSpPr>
+        <p:spPr>
+          <a:xfrm>
+            <a:off x="1416050" y="1292225"/>
+            <a:ext cx="9118600" cy="4306888"/>
+          </a:xfrm>
+          <a:prstGeom prst="rect">
+            <a:avLst/>
+          </a:prstGeom>
+        </p:spPr>
+        <p:txBody>
+          <a:bodyPr/>
+          <a:lstStyle>
+            <a:lvl1pPr>
+              <a:buNone/>
+              <a:defRPr/>
+            </a:lvl1pPr>
+          </a:lstStyle>
+          <a:p>
+            <a:pPr lvl="0"/>
+            <a:endParaRPr lang="zh-CN" altLang="en-US" dirty="0"/>
+          </a:p>
+        </p:txBody>
+      </p:sp>
+    </p:spTree>
+    <p:extLst>
+      <p:ext uri="{BB962C8B-B14F-4D97-AF65-F5344CB8AC3E}">
+        <p14:creationId xmlns:p14="http://schemas.microsoft.com/office/powerpoint/2010/main" val="564832751"/>
+      </p:ext>
+    </p:extLst>
+  </p:cSld>
+  <p:clrMapOvr>
+    <a:masterClrMapping/>
+  </p:clrMapOvr>
+</p:sldLayout>
+</file>
+
+<file path=ppt/slideLayouts/slideLayout11.xml><?xml version="1.0" encoding="utf-8"?>
+<p:sldLayout xmlns:a="http://schemas.openxmlformats.org/drawingml/2006/main" xmlns:r="http://schemas.openxmlformats.org/officeDocument/2006/relationships" xmlns:p="http://schemas.openxmlformats.org/presentationml/2006/main" preserve="1" userDrawn="1">
   <p:cSld name="经典例题母题动手做">
     <p:spTree>
       <p:nvGrpSpPr>
@@ -908,7 +1665,7 @@
 </p:sldLayout>
 </file>
 
-<file path=ppt/slideLayouts/slideLayout11.xml><?xml version="1.0" encoding="utf-8"?>
+<file path=ppt/slideLayouts/slideLayout12.xml><?xml version="1.0" encoding="utf-8"?>
 <p:sldLayout xmlns:a="http://schemas.openxmlformats.org/drawingml/2006/main" xmlns:r="http://schemas.openxmlformats.org/officeDocument/2006/relationships" xmlns:p="http://schemas.openxmlformats.org/presentationml/2006/main" preserve="1" userDrawn="1">
   <p:cSld name="经典例题变式方法总结">
     <p:spTree>
@@ -1506,7 +2263,7 @@
 </p:sldLayout>
 </file>
 
-<file path=ppt/slideLayouts/slideLayout12.xml><?xml version="1.0" encoding="utf-8"?>
+<file path=ppt/slideLayouts/slideLayout13.xml><?xml version="1.0" encoding="utf-8"?>
 <p:sldLayout xmlns:a="http://schemas.openxmlformats.org/drawingml/2006/main" xmlns:r="http://schemas.openxmlformats.org/officeDocument/2006/relationships" xmlns:p="http://schemas.openxmlformats.org/presentationml/2006/main" preserve="1" userDrawn="1">
   <p:cSld name="上台讲">
     <p:spTree>
@@ -2458,7 +3215,7 @@
 </p:sldLayout>
 </file>
 
-<file path=ppt/slideLayouts/slideLayout13.xml><?xml version="1.0" encoding="utf-8"?>
+<file path=ppt/slideLayouts/slideLayout14.xml><?xml version="1.0" encoding="utf-8"?>
 <p:sldLayout xmlns:a="http://schemas.openxmlformats.org/drawingml/2006/main" xmlns:r="http://schemas.openxmlformats.org/officeDocument/2006/relationships" xmlns:p="http://schemas.openxmlformats.org/presentationml/2006/main" preserve="1" userDrawn="1">
   <p:cSld name="课堂总结过渡">
     <p:spTree>
@@ -2630,7 +3387,7 @@
 </p:sldLayout>
 </file>
 
-<file path=ppt/slideLayouts/slideLayout14.xml><?xml version="1.0" encoding="utf-8"?>
+<file path=ppt/slideLayouts/slideLayout15.xml><?xml version="1.0" encoding="utf-8"?>
 <p:sldLayout xmlns:a="http://schemas.openxmlformats.org/drawingml/2006/main" xmlns:r="http://schemas.openxmlformats.org/officeDocument/2006/relationships" xmlns:p="http://schemas.openxmlformats.org/presentationml/2006/main" preserve="1" userDrawn="1">
   <p:cSld name="课堂总结内容">
     <p:spTree>
@@ -3024,7 +3781,7 @@
 </p:sldLayout>
 </file>
 
-<file path=ppt/slideLayouts/slideLayout15.xml><?xml version="1.0" encoding="utf-8"?>
+<file path=ppt/slideLayouts/slideLayout16.xml><?xml version="1.0" encoding="utf-8"?>
 <p:sldLayout xmlns:a="http://schemas.openxmlformats.org/drawingml/2006/main" xmlns:r="http://schemas.openxmlformats.org/officeDocument/2006/relationships" xmlns:p="http://schemas.openxmlformats.org/presentationml/2006/main" preserve="1" userDrawn="1">
   <p:cSld name="出门测过渡">
     <p:spTree>
@@ -3196,7 +3953,7 @@
 </p:sldLayout>
 </file>
 
-<file path=ppt/slideLayouts/slideLayout16.xml><?xml version="1.0" encoding="utf-8"?>
+<file path=ppt/slideLayouts/slideLayout17.xml><?xml version="1.0" encoding="utf-8"?>
 <p:sldLayout xmlns:a="http://schemas.openxmlformats.org/drawingml/2006/main" xmlns:r="http://schemas.openxmlformats.org/officeDocument/2006/relationships" xmlns:p="http://schemas.openxmlformats.org/presentationml/2006/main" preserve="1" userDrawn="1">
   <p:cSld name="出门测计时">
     <p:spTree>
@@ -3452,7 +4209,7 @@
 </p:sldLayout>
 </file>
 
-<file path=ppt/slideLayouts/slideLayout17.xml><?xml version="1.0" encoding="utf-8"?>
+<file path=ppt/slideLayouts/slideLayout18.xml><?xml version="1.0" encoding="utf-8"?>
 <p:sldLayout xmlns:a="http://schemas.openxmlformats.org/drawingml/2006/main" xmlns:r="http://schemas.openxmlformats.org/officeDocument/2006/relationships" xmlns:p="http://schemas.openxmlformats.org/presentationml/2006/main" preserve="1" userDrawn="1">
   <p:cSld name="作业布置">
     <p:spTree>
@@ -3607,7 +4364,7 @@
 </p:sldLayout>
 </file>
 
-<file path=ppt/slideLayouts/slideLayout18.xml><?xml version="1.0" encoding="utf-8"?>
+<file path=ppt/slideLayouts/slideLayout19.xml><?xml version="1.0" encoding="utf-8"?>
 <p:sldLayout xmlns:a="http://schemas.openxmlformats.org/drawingml/2006/main" xmlns:r="http://schemas.openxmlformats.org/officeDocument/2006/relationships" xmlns:p="http://schemas.openxmlformats.org/presentationml/2006/main" preserve="1" userDrawn="1">
   <p:cSld name="告别">
     <p:spTree>
@@ -6996,6 +7753,147 @@
 
 <file path=ppt/slideLayouts/slideLayout3.xml><?xml version="1.0" encoding="utf-8"?>
 <p:sldLayout xmlns:a="http://schemas.openxmlformats.org/drawingml/2006/main" xmlns:r="http://schemas.openxmlformats.org/officeDocument/2006/relationships" xmlns:p="http://schemas.openxmlformats.org/presentationml/2006/main" preserve="1" userDrawn="1">
+  <p:cSld name="课堂引入">
+    <p:spTree>
+      <p:nvGrpSpPr>
+        <p:cNvPr id="1" name=""/>
+        <p:cNvGrpSpPr/>
+        <p:nvPr/>
+      </p:nvGrpSpPr>
+      <p:grpSpPr>
+        <a:xfrm>
+          <a:off x="0" y="0"/>
+          <a:ext cx="0" cy="0"/>
+          <a:chOff x="0" y="0"/>
+          <a:chExt cx="0" cy="0"/>
+        </a:xfrm>
+      </p:grpSpPr>
+      <p:sp>
+        <p:nvSpPr>
+          <p:cNvPr id="6" name="文本占位符 5">
+            <a:extLst>
+              <a:ext uri="{FF2B5EF4-FFF2-40B4-BE49-F238E27FC236}">
+                <a16:creationId xmlns:a16="http://schemas.microsoft.com/office/drawing/2014/main" id="{9A279F89-C5BF-4642-E412-D20851DC03AD}"/>
+              </a:ext>
+            </a:extLst>
+          </p:cNvPr>
+          <p:cNvSpPr>
+            <a:spLocks noGrp="1"/>
+          </p:cNvSpPr>
+          <p:nvPr>
+            <p:ph type="body" sz="quarter" idx="10"/>
+          </p:nvPr>
+        </p:nvSpPr>
+        <p:spPr>
+          <a:xfrm>
+            <a:off x="344129" y="1087026"/>
+            <a:ext cx="11454581" cy="4890987"/>
+          </a:xfrm>
+          <a:prstGeom prst="rect">
+            <a:avLst/>
+          </a:prstGeom>
+        </p:spPr>
+        <p:txBody>
+          <a:bodyPr/>
+          <a:lstStyle>
+            <a:lvl1pPr>
+              <a:buNone/>
+              <a:defRPr/>
+            </a:lvl1pPr>
+          </a:lstStyle>
+          <a:p>
+            <a:pPr lvl="0"/>
+            <a:endParaRPr lang="zh-CN" altLang="en-US" dirty="0"/>
+          </a:p>
+        </p:txBody>
+      </p:sp>
+      <p:sp>
+        <p:nvSpPr>
+          <p:cNvPr id="8" name="图片占位符 7">
+            <a:extLst>
+              <a:ext uri="{FF2B5EF4-FFF2-40B4-BE49-F238E27FC236}">
+                <a16:creationId xmlns:a16="http://schemas.microsoft.com/office/drawing/2014/main" id="{04F16EF3-771B-3AA3-0DB9-998152D86C56}"/>
+              </a:ext>
+            </a:extLst>
+          </p:cNvPr>
+          <p:cNvSpPr>
+            <a:spLocks noGrp="1"/>
+          </p:cNvSpPr>
+          <p:nvPr>
+            <p:ph type="pic" sz="quarter" idx="11"/>
+          </p:nvPr>
+        </p:nvSpPr>
+        <p:spPr>
+          <a:xfrm>
+            <a:off x="6189407" y="3097161"/>
+            <a:ext cx="6002594" cy="3760839"/>
+          </a:xfrm>
+          <a:prstGeom prst="rect">
+            <a:avLst/>
+          </a:prstGeom>
+        </p:spPr>
+        <p:txBody>
+          <a:bodyPr/>
+          <a:lstStyle/>
+          <a:p>
+            <a:endParaRPr lang="zh-CN" altLang="en-US"/>
+          </a:p>
+        </p:txBody>
+      </p:sp>
+      <p:sp>
+        <p:nvSpPr>
+          <p:cNvPr id="10" name="文本占位符 9">
+            <a:extLst>
+              <a:ext uri="{FF2B5EF4-FFF2-40B4-BE49-F238E27FC236}">
+                <a16:creationId xmlns:a16="http://schemas.microsoft.com/office/drawing/2014/main" id="{96074633-1E82-86D2-9243-3ABD47329901}"/>
+              </a:ext>
+            </a:extLst>
+          </p:cNvPr>
+          <p:cNvSpPr>
+            <a:spLocks noGrp="1"/>
+          </p:cNvSpPr>
+          <p:nvPr>
+            <p:ph type="body" sz="quarter" idx="12"/>
+          </p:nvPr>
+        </p:nvSpPr>
+        <p:spPr>
+          <a:xfrm>
+            <a:off x="84138" y="122238"/>
+            <a:ext cx="12063412" cy="728662"/>
+          </a:xfrm>
+          <a:prstGeom prst="rect">
+            <a:avLst/>
+          </a:prstGeom>
+        </p:spPr>
+        <p:txBody>
+          <a:bodyPr/>
+          <a:lstStyle>
+            <a:lvl1pPr algn="ctr">
+              <a:buNone/>
+              <a:defRPr/>
+            </a:lvl1pPr>
+          </a:lstStyle>
+          <a:p>
+            <a:pPr lvl="0"/>
+            <a:endParaRPr lang="zh-CN" altLang="en-US" dirty="0"/>
+          </a:p>
+        </p:txBody>
+      </p:sp>
+    </p:spTree>
+    <p:extLst>
+      <p:ext uri="{BB962C8B-B14F-4D97-AF65-F5344CB8AC3E}">
+        <p14:creationId xmlns:p14="http://schemas.microsoft.com/office/powerpoint/2010/main" val="313332705"/>
+      </p:ext>
+    </p:extLst>
+  </p:cSld>
+  <p:clrMapOvr>
+    <a:masterClrMapping/>
+  </p:clrMapOvr>
+</p:sldLayout>
+</file>
+
+<file path=ppt/slideLayouts/slideLayout4.xml><?xml version="1.0" encoding="utf-8"?>
+<p:sldLayout xmlns:a="http://schemas.openxmlformats.org/drawingml/2006/main" xmlns:r="http://schemas.openxmlformats.org/officeDocument/2006/relationships" xmlns:p="http://schemas.openxmlformats.org/presentationml/2006/main" preserve="1" userDrawn="1">
   <p:cSld name="讲义标题">
     <p:spTree>
       <p:nvGrpSpPr>
@@ -7219,7 +8117,7 @@
 </p:sldLayout>
 </file>
 
-<file path=ppt/slideLayouts/slideLayout4.xml><?xml version="1.0" encoding="utf-8"?>
+<file path=ppt/slideLayouts/slideLayout5.xml><?xml version="1.0" encoding="utf-8"?>
 <p:sldLayout xmlns:a="http://schemas.openxmlformats.org/drawingml/2006/main" xmlns:r="http://schemas.openxmlformats.org/officeDocument/2006/relationships" xmlns:p="http://schemas.openxmlformats.org/presentationml/2006/main" preserve="1" userDrawn="1">
   <p:cSld name="学习目标">
     <p:spTree>
@@ -7391,7 +8289,7 @@
 </p:sldLayout>
 </file>
 
-<file path=ppt/slideLayouts/slideLayout5.xml><?xml version="1.0" encoding="utf-8"?>
+<file path=ppt/slideLayouts/slideLayout6.xml><?xml version="1.0" encoding="utf-8"?>
 <p:sldLayout xmlns:a="http://schemas.openxmlformats.org/drawingml/2006/main" xmlns:r="http://schemas.openxmlformats.org/officeDocument/2006/relationships" xmlns:p="http://schemas.openxmlformats.org/presentationml/2006/main" preserve="1" userDrawn="1">
   <p:cSld name="学习目标思维导图">
     <p:spTree>
@@ -7783,7 +8681,7 @@
 </p:sldLayout>
 </file>
 
-<file path=ppt/slideLayouts/slideLayout6.xml><?xml version="1.0" encoding="utf-8"?>
+<file path=ppt/slideLayouts/slideLayout7.xml><?xml version="1.0" encoding="utf-8"?>
 <p:sldLayout xmlns:a="http://schemas.openxmlformats.org/drawingml/2006/main" xmlns:r="http://schemas.openxmlformats.org/officeDocument/2006/relationships" xmlns:p="http://schemas.openxmlformats.org/presentationml/2006/main" preserve="1" userDrawn="1">
   <p:cSld name="考情">
     <p:spTree>
@@ -7961,7 +8859,7 @@
 </p:sldLayout>
 </file>
 
-<file path=ppt/slideLayouts/slideLayout7.xml><?xml version="1.0" encoding="utf-8"?>
+<file path=ppt/slideLayouts/slideLayout8.xml><?xml version="1.0" encoding="utf-8"?>
 <p:sldLayout xmlns:a="http://schemas.openxmlformats.org/drawingml/2006/main" xmlns:r="http://schemas.openxmlformats.org/officeDocument/2006/relationships" xmlns:p="http://schemas.openxmlformats.org/presentationml/2006/main" preserve="1" userDrawn="1">
   <p:cSld name="知识点切片标题">
     <p:spTree>
@@ -8184,7 +9082,7 @@
 </p:sldLayout>
 </file>
 
-<file path=ppt/slideLayouts/slideLayout8.xml><?xml version="1.0" encoding="utf-8"?>
+<file path=ppt/slideLayouts/slideLayout9.xml><?xml version="1.0" encoding="utf-8"?>
 <p:sldLayout xmlns:a="http://schemas.openxmlformats.org/drawingml/2006/main" xmlns:r="http://schemas.openxmlformats.org/officeDocument/2006/relationships" xmlns:p="http://schemas.openxmlformats.org/presentationml/2006/main" preserve="1" userDrawn="1">
   <p:cSld name="知识点">
     <p:spTree>
@@ -8496,763 +9394,6 @@
 </p:sldLayout>
 </file>
 
-<file path=ppt/slideLayouts/slideLayout9.xml><?xml version="1.0" encoding="utf-8"?>
-<p:sldLayout xmlns:a="http://schemas.openxmlformats.org/drawingml/2006/main" xmlns:r="http://schemas.openxmlformats.org/officeDocument/2006/relationships" xmlns:p="http://schemas.openxmlformats.org/presentationml/2006/main" preserve="1" userDrawn="1">
-  <p:cSld name="开口说">
-    <p:spTree>
-      <p:nvGrpSpPr>
-        <p:cNvPr id="1" name=""/>
-        <p:cNvGrpSpPr/>
-        <p:nvPr/>
-      </p:nvGrpSpPr>
-      <p:grpSpPr>
-        <a:xfrm>
-          <a:off x="0" y="0"/>
-          <a:ext cx="0" cy="0"/>
-          <a:chOff x="0" y="0"/>
-          <a:chExt cx="0" cy="0"/>
-        </a:xfrm>
-      </p:grpSpPr>
-      <p:sp>
-        <p:nvSpPr>
-          <p:cNvPr id="3" name="任意多边形: 形状 2">
-            <a:extLst>
-              <a:ext uri="{FF2B5EF4-FFF2-40B4-BE49-F238E27FC236}">
-                <a16:creationId xmlns:a16="http://schemas.microsoft.com/office/drawing/2014/main" id="{727E343C-C8BD-3BEC-0E0C-829819A63BC6}"/>
-              </a:ext>
-            </a:extLst>
-          </p:cNvPr>
-          <p:cNvSpPr/>
-          <p:nvPr userDrawn="1"/>
-        </p:nvSpPr>
-        <p:spPr>
-          <a:xfrm>
-            <a:off x="453389" y="429728"/>
-            <a:ext cx="609685" cy="549607"/>
-          </a:xfrm>
-          <a:custGeom>
-            <a:avLst/>
-            <a:gdLst>
-              <a:gd name="T0" fmla="*/ 5553 w 8160"/>
-              <a:gd name="T1" fmla="*/ 6233 h 7366"/>
-              <a:gd name="T2" fmla="*/ 5553 w 8160"/>
-              <a:gd name="T3" fmla="*/ 6775 h 7366"/>
-              <a:gd name="T4" fmla="*/ 5421 w 8160"/>
-              <a:gd name="T5" fmla="*/ 6981 h 7366"/>
-              <a:gd name="T6" fmla="*/ 2777 w 8160"/>
-              <a:gd name="T7" fmla="*/ 7366 h 7366"/>
-              <a:gd name="T8" fmla="*/ 132 w 8160"/>
-              <a:gd name="T9" fmla="*/ 6981 h 7366"/>
-              <a:gd name="T10" fmla="*/ 0 w 8160"/>
-              <a:gd name="T11" fmla="*/ 6775 h 7366"/>
-              <a:gd name="T12" fmla="*/ 0 w 8160"/>
-              <a:gd name="T13" fmla="*/ 6233 h 7366"/>
-              <a:gd name="T14" fmla="*/ 1407 w 8160"/>
-              <a:gd name="T15" fmla="*/ 4658 h 7366"/>
-              <a:gd name="T16" fmla="*/ 1486 w 8160"/>
-              <a:gd name="T17" fmla="*/ 4679 h 7366"/>
-              <a:gd name="T18" fmla="*/ 2777 w 8160"/>
-              <a:gd name="T19" fmla="*/ 5100 h 7366"/>
-              <a:gd name="T20" fmla="*/ 4068 w 8160"/>
-              <a:gd name="T21" fmla="*/ 4679 h 7366"/>
-              <a:gd name="T22" fmla="*/ 4147 w 8160"/>
-              <a:gd name="T23" fmla="*/ 4658 h 7366"/>
-              <a:gd name="T24" fmla="*/ 5553 w 8160"/>
-              <a:gd name="T25" fmla="*/ 6233 h 7366"/>
-              <a:gd name="T26" fmla="*/ 1133 w 8160"/>
-              <a:gd name="T27" fmla="*/ 2890 h 7366"/>
-              <a:gd name="T28" fmla="*/ 2777 w 8160"/>
-              <a:gd name="T29" fmla="*/ 1246 h 7366"/>
-              <a:gd name="T30" fmla="*/ 4420 w 8160"/>
-              <a:gd name="T31" fmla="*/ 2890 h 7366"/>
-              <a:gd name="T32" fmla="*/ 2777 w 8160"/>
-              <a:gd name="T33" fmla="*/ 4533 h 7366"/>
-              <a:gd name="T34" fmla="*/ 1133 w 8160"/>
-              <a:gd name="T35" fmla="*/ 2890 h 7366"/>
-              <a:gd name="T36" fmla="*/ 1999 w 8160"/>
-              <a:gd name="T37" fmla="*/ 3542 h 7366"/>
-              <a:gd name="T38" fmla="*/ 2778 w 8160"/>
-              <a:gd name="T39" fmla="*/ 3975 h 7366"/>
-              <a:gd name="T40" fmla="*/ 3557 w 8160"/>
-              <a:gd name="T41" fmla="*/ 3542 h 7366"/>
-              <a:gd name="T42" fmla="*/ 1999 w 8160"/>
-              <a:gd name="T43" fmla="*/ 3542 h 7366"/>
-              <a:gd name="T44" fmla="*/ 7820 w 8160"/>
-              <a:gd name="T45" fmla="*/ 0 h 7366"/>
-              <a:gd name="T46" fmla="*/ 5100 w 8160"/>
-              <a:gd name="T47" fmla="*/ 0 h 7366"/>
-              <a:gd name="T48" fmla="*/ 4760 w 8160"/>
-              <a:gd name="T49" fmla="*/ 340 h 7366"/>
-              <a:gd name="T50" fmla="*/ 4760 w 8160"/>
-              <a:gd name="T51" fmla="*/ 1930 h 7366"/>
-              <a:gd name="T52" fmla="*/ 5097 w 8160"/>
-              <a:gd name="T53" fmla="*/ 2266 h 7366"/>
-              <a:gd name="T54" fmla="*/ 5100 w 8160"/>
-              <a:gd name="T55" fmla="*/ 2266 h 7366"/>
-              <a:gd name="T56" fmla="*/ 5100 w 8160"/>
-              <a:gd name="T57" fmla="*/ 2720 h 7366"/>
-              <a:gd name="T58" fmla="*/ 5281 w 8160"/>
-              <a:gd name="T59" fmla="*/ 2810 h 7366"/>
-              <a:gd name="T60" fmla="*/ 5976 w 8160"/>
-              <a:gd name="T61" fmla="*/ 2289 h 7366"/>
-              <a:gd name="T62" fmla="*/ 6044 w 8160"/>
-              <a:gd name="T63" fmla="*/ 2266 h 7366"/>
-              <a:gd name="T64" fmla="*/ 7820 w 8160"/>
-              <a:gd name="T65" fmla="*/ 2266 h 7366"/>
-              <a:gd name="T66" fmla="*/ 8160 w 8160"/>
-              <a:gd name="T67" fmla="*/ 1926 h 7366"/>
-              <a:gd name="T68" fmla="*/ 8160 w 8160"/>
-              <a:gd name="T69" fmla="*/ 340 h 7366"/>
-              <a:gd name="T70" fmla="*/ 7820 w 8160"/>
-              <a:gd name="T71" fmla="*/ 0 h 7366"/>
-            </a:gdLst>
-            <a:ahLst/>
-            <a:cxnLst>
-              <a:cxn ang="0">
-                <a:pos x="T0" y="T1"/>
-              </a:cxn>
-              <a:cxn ang="0">
-                <a:pos x="T2" y="T3"/>
-              </a:cxn>
-              <a:cxn ang="0">
-                <a:pos x="T4" y="T5"/>
-              </a:cxn>
-              <a:cxn ang="0">
-                <a:pos x="T6" y="T7"/>
-              </a:cxn>
-              <a:cxn ang="0">
-                <a:pos x="T8" y="T9"/>
-              </a:cxn>
-              <a:cxn ang="0">
-                <a:pos x="T10" y="T11"/>
-              </a:cxn>
-              <a:cxn ang="0">
-                <a:pos x="T12" y="T13"/>
-              </a:cxn>
-              <a:cxn ang="0">
-                <a:pos x="T14" y="T15"/>
-              </a:cxn>
-              <a:cxn ang="0">
-                <a:pos x="T16" y="T17"/>
-              </a:cxn>
-              <a:cxn ang="0">
-                <a:pos x="T18" y="T19"/>
-              </a:cxn>
-              <a:cxn ang="0">
-                <a:pos x="T20" y="T21"/>
-              </a:cxn>
-              <a:cxn ang="0">
-                <a:pos x="T22" y="T23"/>
-              </a:cxn>
-              <a:cxn ang="0">
-                <a:pos x="T24" y="T25"/>
-              </a:cxn>
-              <a:cxn ang="0">
-                <a:pos x="T26" y="T27"/>
-              </a:cxn>
-              <a:cxn ang="0">
-                <a:pos x="T28" y="T29"/>
-              </a:cxn>
-              <a:cxn ang="0">
-                <a:pos x="T30" y="T31"/>
-              </a:cxn>
-              <a:cxn ang="0">
-                <a:pos x="T32" y="T33"/>
-              </a:cxn>
-              <a:cxn ang="0">
-                <a:pos x="T34" y="T35"/>
-              </a:cxn>
-              <a:cxn ang="0">
-                <a:pos x="T36" y="T37"/>
-              </a:cxn>
-              <a:cxn ang="0">
-                <a:pos x="T38" y="T39"/>
-              </a:cxn>
-              <a:cxn ang="0">
-                <a:pos x="T40" y="T41"/>
-              </a:cxn>
-              <a:cxn ang="0">
-                <a:pos x="T42" y="T43"/>
-              </a:cxn>
-              <a:cxn ang="0">
-                <a:pos x="T44" y="T45"/>
-              </a:cxn>
-              <a:cxn ang="0">
-                <a:pos x="T46" y="T47"/>
-              </a:cxn>
-              <a:cxn ang="0">
-                <a:pos x="T48" y="T49"/>
-              </a:cxn>
-              <a:cxn ang="0">
-                <a:pos x="T50" y="T51"/>
-              </a:cxn>
-              <a:cxn ang="0">
-                <a:pos x="T52" y="T53"/>
-              </a:cxn>
-              <a:cxn ang="0">
-                <a:pos x="T54" y="T55"/>
-              </a:cxn>
-              <a:cxn ang="0">
-                <a:pos x="T56" y="T57"/>
-              </a:cxn>
-              <a:cxn ang="0">
-                <a:pos x="T58" y="T59"/>
-              </a:cxn>
-              <a:cxn ang="0">
-                <a:pos x="T60" y="T61"/>
-              </a:cxn>
-              <a:cxn ang="0">
-                <a:pos x="T62" y="T63"/>
-              </a:cxn>
-              <a:cxn ang="0">
-                <a:pos x="T64" y="T65"/>
-              </a:cxn>
-              <a:cxn ang="0">
-                <a:pos x="T66" y="T67"/>
-              </a:cxn>
-              <a:cxn ang="0">
-                <a:pos x="T68" y="T69"/>
-              </a:cxn>
-              <a:cxn ang="0">
-                <a:pos x="T70" y="T71"/>
-              </a:cxn>
-            </a:cxnLst>
-            <a:rect l="0" t="0" r="r" b="b"/>
-            <a:pathLst>
-              <a:path w="8160" h="7366">
-                <a:moveTo>
-                  <a:pt x="5553" y="6233"/>
-                </a:moveTo>
-                <a:lnTo>
-                  <a:pt x="5553" y="6775"/>
-                </a:lnTo>
-                <a:cubicBezTo>
-                  <a:pt x="5553" y="6855"/>
-                  <a:pt x="5494" y="6948"/>
-                  <a:pt x="5421" y="6981"/>
-                </a:cubicBezTo>
-                <a:cubicBezTo>
-                  <a:pt x="5137" y="7107"/>
-                  <a:pt x="4361" y="7366"/>
-                  <a:pt x="2777" y="7366"/>
-                </a:cubicBezTo>
-                <a:cubicBezTo>
-                  <a:pt x="1192" y="7366"/>
-                  <a:pt x="417" y="7107"/>
-                  <a:pt x="132" y="6981"/>
-                </a:cubicBezTo>
-                <a:cubicBezTo>
-                  <a:pt x="59" y="6948"/>
-                  <a:pt x="0" y="6855"/>
-                  <a:pt x="0" y="6775"/>
-                </a:cubicBezTo>
-                <a:lnTo>
-                  <a:pt x="0" y="6233"/>
-                </a:lnTo>
-                <a:cubicBezTo>
-                  <a:pt x="0" y="5421"/>
-                  <a:pt x="618" y="4748"/>
-                  <a:pt x="1407" y="4658"/>
-                </a:cubicBezTo>
-                <a:cubicBezTo>
-                  <a:pt x="1431" y="4655"/>
-                  <a:pt x="1466" y="4665"/>
-                  <a:pt x="1486" y="4679"/>
-                </a:cubicBezTo>
-                <a:cubicBezTo>
-                  <a:pt x="1849" y="4943"/>
-                  <a:pt x="2294" y="5100"/>
-                  <a:pt x="2777" y="5100"/>
-                </a:cubicBezTo>
-                <a:cubicBezTo>
-                  <a:pt x="3259" y="5100"/>
-                  <a:pt x="3704" y="4943"/>
-                  <a:pt x="4068" y="4679"/>
-                </a:cubicBezTo>
-                <a:cubicBezTo>
-                  <a:pt x="4087" y="4665"/>
-                  <a:pt x="4123" y="4655"/>
-                  <a:pt x="4147" y="4658"/>
-                </a:cubicBezTo>
-                <a:cubicBezTo>
-                  <a:pt x="4935" y="4748"/>
-                  <a:pt x="5553" y="5421"/>
-                  <a:pt x="5553" y="6233"/>
-                </a:cubicBezTo>
-                <a:close/>
-                <a:moveTo>
-                  <a:pt x="1133" y="2890"/>
-                </a:moveTo>
-                <a:cubicBezTo>
-                  <a:pt x="1133" y="1982"/>
-                  <a:pt x="1869" y="1246"/>
-                  <a:pt x="2777" y="1246"/>
-                </a:cubicBezTo>
-                <a:cubicBezTo>
-                  <a:pt x="3684" y="1246"/>
-                  <a:pt x="4420" y="1982"/>
-                  <a:pt x="4420" y="2890"/>
-                </a:cubicBezTo>
-                <a:cubicBezTo>
-                  <a:pt x="4420" y="3797"/>
-                  <a:pt x="3684" y="4533"/>
-                  <a:pt x="2777" y="4533"/>
-                </a:cubicBezTo>
-                <a:cubicBezTo>
-                  <a:pt x="1869" y="4533"/>
-                  <a:pt x="1133" y="3797"/>
-                  <a:pt x="1133" y="2890"/>
-                </a:cubicBezTo>
-                <a:close/>
-                <a:moveTo>
-                  <a:pt x="1999" y="3542"/>
-                </a:moveTo>
-                <a:cubicBezTo>
-                  <a:pt x="2074" y="3789"/>
-                  <a:pt x="2394" y="3975"/>
-                  <a:pt x="2778" y="3975"/>
-                </a:cubicBezTo>
-                <a:cubicBezTo>
-                  <a:pt x="3162" y="3975"/>
-                  <a:pt x="3482" y="3789"/>
-                  <a:pt x="3557" y="3542"/>
-                </a:cubicBezTo>
-                <a:lnTo>
-                  <a:pt x="1999" y="3542"/>
-                </a:lnTo>
-                <a:close/>
-                <a:moveTo>
-                  <a:pt x="7820" y="0"/>
-                </a:moveTo>
-                <a:lnTo>
-                  <a:pt x="5100" y="0"/>
-                </a:lnTo>
-                <a:cubicBezTo>
-                  <a:pt x="4913" y="0"/>
-                  <a:pt x="4760" y="153"/>
-                  <a:pt x="4760" y="340"/>
-                </a:cubicBezTo>
-                <a:lnTo>
-                  <a:pt x="4760" y="1930"/>
-                </a:lnTo>
-                <a:cubicBezTo>
-                  <a:pt x="4760" y="2115"/>
-                  <a:pt x="4911" y="2266"/>
-                  <a:pt x="5097" y="2266"/>
-                </a:cubicBezTo>
-                <a:lnTo>
-                  <a:pt x="5100" y="2266"/>
-                </a:lnTo>
-                <a:lnTo>
-                  <a:pt x="5100" y="2720"/>
-                </a:lnTo>
-                <a:cubicBezTo>
-                  <a:pt x="5100" y="2813"/>
-                  <a:pt x="5207" y="2866"/>
-                  <a:pt x="5281" y="2810"/>
-                </a:cubicBezTo>
-                <a:lnTo>
-                  <a:pt x="5976" y="2289"/>
-                </a:lnTo>
-                <a:cubicBezTo>
-                  <a:pt x="5993" y="2277"/>
-                  <a:pt x="6024" y="2266"/>
-                  <a:pt x="6044" y="2266"/>
-                </a:cubicBezTo>
-                <a:lnTo>
-                  <a:pt x="7820" y="2266"/>
-                </a:lnTo>
-                <a:cubicBezTo>
-                  <a:pt x="8007" y="2266"/>
-                  <a:pt x="8160" y="2113"/>
-                  <a:pt x="8160" y="1926"/>
-                </a:cubicBezTo>
-                <a:lnTo>
-                  <a:pt x="8160" y="340"/>
-                </a:lnTo>
-                <a:cubicBezTo>
-                  <a:pt x="8160" y="153"/>
-                  <a:pt x="8007" y="0"/>
-                  <a:pt x="7820" y="0"/>
-                </a:cubicBezTo>
-                <a:close/>
-              </a:path>
-            </a:pathLst>
-          </a:custGeom>
-          <a:solidFill>
-            <a:schemeClr val="accent1"/>
-          </a:solidFill>
-          <a:ln>
-            <a:noFill/>
-          </a:ln>
-        </p:spPr>
-        <p:style>
-          <a:lnRef idx="2">
-            <a:schemeClr val="accent1">
-              <a:shade val="50000"/>
-            </a:schemeClr>
-          </a:lnRef>
-          <a:fillRef idx="1">
-            <a:schemeClr val="accent1"/>
-          </a:fillRef>
-          <a:effectRef idx="0">
-            <a:schemeClr val="accent1"/>
-          </a:effectRef>
-          <a:fontRef idx="minor">
-            <a:schemeClr val="lt1"/>
-          </a:fontRef>
-        </p:style>
-        <p:txBody>
-          <a:bodyPr rtlCol="0" anchor="ctr"/>
-          <a:lstStyle/>
-          <a:p>
-            <a:pPr algn="ctr"/>
-            <a:endParaRPr lang="en-US"/>
-          </a:p>
-        </p:txBody>
-      </p:sp>
-      <p:sp>
-        <p:nvSpPr>
-          <p:cNvPr id="4" name="标题 10">
-            <a:extLst>
-              <a:ext uri="{FF2B5EF4-FFF2-40B4-BE49-F238E27FC236}">
-                <a16:creationId xmlns:a16="http://schemas.microsoft.com/office/drawing/2014/main" id="{9B0BD4A8-6EE8-6FF2-DB00-64B39DC8BCF9}"/>
-              </a:ext>
-            </a:extLst>
-          </p:cNvPr>
-          <p:cNvSpPr txBox="1"/>
-          <p:nvPr userDrawn="1"/>
-        </p:nvSpPr>
-        <p:spPr>
-          <a:xfrm>
-            <a:off x="1293632" y="461733"/>
-            <a:ext cx="1894069" cy="517602"/>
-          </a:xfrm>
-          <a:prstGeom prst="rect">
-            <a:avLst/>
-          </a:prstGeom>
-        </p:spPr>
-        <p:txBody>
-          <a:bodyPr/>
-          <a:lstStyle>
-            <a:lvl1pPr marL="0" marR="0" indent="0" algn="ctr" defTabSz="825500" rtl="0" latinLnBrk="0">
-              <a:lnSpc>
-                <a:spcPct val="100000"/>
-              </a:lnSpc>
-              <a:spcBef>
-                <a:spcPts val="0"/>
-              </a:spcBef>
-              <a:spcAft>
-                <a:spcPts val="0"/>
-              </a:spcAft>
-              <a:buClrTx/>
-              <a:buSzTx/>
-              <a:buFontTx/>
-              <a:buNone/>
-              <a:defRPr sz="11200" b="0" i="0" u="none" strike="noStrike" cap="none" spc="0" baseline="0">
-                <a:ln>
-                  <a:noFill/>
-                </a:ln>
-                <a:solidFill>
-                  <a:srgbClr val="000000"/>
-                </a:solidFill>
-                <a:uFillTx/>
-                <a:latin typeface="+mj-lt"/>
-                <a:ea typeface="+mj-ea"/>
-                <a:cs typeface="+mn-cs"/>
-                <a:sym typeface="Helvetica Neue Medium" panose="02000503000000020004"/>
-              </a:defRPr>
-            </a:lvl1pPr>
-            <a:lvl2pPr marL="0" marR="0" indent="0" algn="ctr" defTabSz="825500" rtl="0" latinLnBrk="0">
-              <a:lnSpc>
-                <a:spcPct val="100000"/>
-              </a:lnSpc>
-              <a:spcBef>
-                <a:spcPts val="0"/>
-              </a:spcBef>
-              <a:spcAft>
-                <a:spcPts val="0"/>
-              </a:spcAft>
-              <a:buClrTx/>
-              <a:buSzTx/>
-              <a:buFontTx/>
-              <a:buNone/>
-              <a:defRPr sz="11200" b="0" i="0" u="none" strike="noStrike" cap="none" spc="0" baseline="0">
-                <a:ln>
-                  <a:noFill/>
-                </a:ln>
-                <a:solidFill>
-                  <a:srgbClr val="000000"/>
-                </a:solidFill>
-                <a:uFillTx/>
-                <a:latin typeface="+mn-lt"/>
-                <a:ea typeface="+mn-ea"/>
-                <a:cs typeface="+mn-cs"/>
-                <a:sym typeface="Helvetica Neue Medium" panose="02000503000000020004"/>
-              </a:defRPr>
-            </a:lvl2pPr>
-            <a:lvl3pPr marL="0" marR="0" indent="0" algn="ctr" defTabSz="825500" rtl="0" latinLnBrk="0">
-              <a:lnSpc>
-                <a:spcPct val="100000"/>
-              </a:lnSpc>
-              <a:spcBef>
-                <a:spcPts val="0"/>
-              </a:spcBef>
-              <a:spcAft>
-                <a:spcPts val="0"/>
-              </a:spcAft>
-              <a:buClrTx/>
-              <a:buSzTx/>
-              <a:buFontTx/>
-              <a:buNone/>
-              <a:defRPr sz="11200" b="0" i="0" u="none" strike="noStrike" cap="none" spc="0" baseline="0">
-                <a:ln>
-                  <a:noFill/>
-                </a:ln>
-                <a:solidFill>
-                  <a:srgbClr val="000000"/>
-                </a:solidFill>
-                <a:uFillTx/>
-                <a:latin typeface="+mn-lt"/>
-                <a:ea typeface="+mn-ea"/>
-                <a:cs typeface="+mn-cs"/>
-                <a:sym typeface="Helvetica Neue Medium" panose="02000503000000020004"/>
-              </a:defRPr>
-            </a:lvl3pPr>
-            <a:lvl4pPr marL="0" marR="0" indent="0" algn="ctr" defTabSz="825500" rtl="0" latinLnBrk="0">
-              <a:lnSpc>
-                <a:spcPct val="100000"/>
-              </a:lnSpc>
-              <a:spcBef>
-                <a:spcPts val="0"/>
-              </a:spcBef>
-              <a:spcAft>
-                <a:spcPts val="0"/>
-              </a:spcAft>
-              <a:buClrTx/>
-              <a:buSzTx/>
-              <a:buFontTx/>
-              <a:buNone/>
-              <a:defRPr sz="11200" b="0" i="0" u="none" strike="noStrike" cap="none" spc="0" baseline="0">
-                <a:ln>
-                  <a:noFill/>
-                </a:ln>
-                <a:solidFill>
-                  <a:srgbClr val="000000"/>
-                </a:solidFill>
-                <a:uFillTx/>
-                <a:latin typeface="+mn-lt"/>
-                <a:ea typeface="+mn-ea"/>
-                <a:cs typeface="+mn-cs"/>
-                <a:sym typeface="Helvetica Neue Medium" panose="02000503000000020004"/>
-              </a:defRPr>
-            </a:lvl4pPr>
-            <a:lvl5pPr marL="0" marR="0" indent="0" algn="ctr" defTabSz="825500" rtl="0" latinLnBrk="0">
-              <a:lnSpc>
-                <a:spcPct val="100000"/>
-              </a:lnSpc>
-              <a:spcBef>
-                <a:spcPts val="0"/>
-              </a:spcBef>
-              <a:spcAft>
-                <a:spcPts val="0"/>
-              </a:spcAft>
-              <a:buClrTx/>
-              <a:buSzTx/>
-              <a:buFontTx/>
-              <a:buNone/>
-              <a:defRPr sz="11200" b="0" i="0" u="none" strike="noStrike" cap="none" spc="0" baseline="0">
-                <a:ln>
-                  <a:noFill/>
-                </a:ln>
-                <a:solidFill>
-                  <a:srgbClr val="000000"/>
-                </a:solidFill>
-                <a:uFillTx/>
-                <a:latin typeface="+mn-lt"/>
-                <a:ea typeface="+mn-ea"/>
-                <a:cs typeface="+mn-cs"/>
-                <a:sym typeface="Helvetica Neue Medium" panose="02000503000000020004"/>
-              </a:defRPr>
-            </a:lvl5pPr>
-            <a:lvl6pPr marL="0" marR="0" indent="0" algn="ctr" defTabSz="825500" rtl="0" latinLnBrk="0">
-              <a:lnSpc>
-                <a:spcPct val="100000"/>
-              </a:lnSpc>
-              <a:spcBef>
-                <a:spcPts val="0"/>
-              </a:spcBef>
-              <a:spcAft>
-                <a:spcPts val="0"/>
-              </a:spcAft>
-              <a:buClrTx/>
-              <a:buSzTx/>
-              <a:buFontTx/>
-              <a:buNone/>
-              <a:defRPr sz="11200" b="0" i="0" u="none" strike="noStrike" cap="none" spc="0" baseline="0">
-                <a:ln>
-                  <a:noFill/>
-                </a:ln>
-                <a:solidFill>
-                  <a:srgbClr val="000000"/>
-                </a:solidFill>
-                <a:uFillTx/>
-                <a:latin typeface="+mn-lt"/>
-                <a:ea typeface="+mn-ea"/>
-                <a:cs typeface="+mn-cs"/>
-                <a:sym typeface="Helvetica Neue Medium" panose="02000503000000020004"/>
-              </a:defRPr>
-            </a:lvl6pPr>
-            <a:lvl7pPr marL="0" marR="0" indent="0" algn="ctr" defTabSz="825500" rtl="0" latinLnBrk="0">
-              <a:lnSpc>
-                <a:spcPct val="100000"/>
-              </a:lnSpc>
-              <a:spcBef>
-                <a:spcPts val="0"/>
-              </a:spcBef>
-              <a:spcAft>
-                <a:spcPts val="0"/>
-              </a:spcAft>
-              <a:buClrTx/>
-              <a:buSzTx/>
-              <a:buFontTx/>
-              <a:buNone/>
-              <a:defRPr sz="11200" b="0" i="0" u="none" strike="noStrike" cap="none" spc="0" baseline="0">
-                <a:ln>
-                  <a:noFill/>
-                </a:ln>
-                <a:solidFill>
-                  <a:srgbClr val="000000"/>
-                </a:solidFill>
-                <a:uFillTx/>
-                <a:latin typeface="+mn-lt"/>
-                <a:ea typeface="+mn-ea"/>
-                <a:cs typeface="+mn-cs"/>
-                <a:sym typeface="Helvetica Neue Medium" panose="02000503000000020004"/>
-              </a:defRPr>
-            </a:lvl7pPr>
-            <a:lvl8pPr marL="0" marR="0" indent="0" algn="ctr" defTabSz="825500" rtl="0" latinLnBrk="0">
-              <a:lnSpc>
-                <a:spcPct val="100000"/>
-              </a:lnSpc>
-              <a:spcBef>
-                <a:spcPts val="0"/>
-              </a:spcBef>
-              <a:spcAft>
-                <a:spcPts val="0"/>
-              </a:spcAft>
-              <a:buClrTx/>
-              <a:buSzTx/>
-              <a:buFontTx/>
-              <a:buNone/>
-              <a:defRPr sz="11200" b="0" i="0" u="none" strike="noStrike" cap="none" spc="0" baseline="0">
-                <a:ln>
-                  <a:noFill/>
-                </a:ln>
-                <a:solidFill>
-                  <a:srgbClr val="000000"/>
-                </a:solidFill>
-                <a:uFillTx/>
-                <a:latin typeface="+mn-lt"/>
-                <a:ea typeface="+mn-ea"/>
-                <a:cs typeface="+mn-cs"/>
-                <a:sym typeface="Helvetica Neue Medium" panose="02000503000000020004"/>
-              </a:defRPr>
-            </a:lvl8pPr>
-            <a:lvl9pPr marL="0" marR="0" indent="0" algn="ctr" defTabSz="825500" rtl="0" latinLnBrk="0">
-              <a:lnSpc>
-                <a:spcPct val="100000"/>
-              </a:lnSpc>
-              <a:spcBef>
-                <a:spcPts val="0"/>
-              </a:spcBef>
-              <a:spcAft>
-                <a:spcPts val="0"/>
-              </a:spcAft>
-              <a:buClrTx/>
-              <a:buSzTx/>
-              <a:buFontTx/>
-              <a:buNone/>
-              <a:defRPr sz="11200" b="0" i="0" u="none" strike="noStrike" cap="none" spc="0" baseline="0">
-                <a:ln>
-                  <a:noFill/>
-                </a:ln>
-                <a:solidFill>
-                  <a:srgbClr val="000000"/>
-                </a:solidFill>
-                <a:uFillTx/>
-                <a:latin typeface="+mn-lt"/>
-                <a:ea typeface="+mn-ea"/>
-                <a:cs typeface="+mn-cs"/>
-                <a:sym typeface="Helvetica Neue Medium" panose="02000503000000020004"/>
-              </a:defRPr>
-            </a:lvl9pPr>
-          </a:lstStyle>
-          <a:p>
-            <a:pPr algn="l" hangingPunct="1"/>
-            <a:r>
-              <a:rPr lang="zh-CN" altLang="en-US" sz="3300" b="1" dirty="0">
-                <a:solidFill>
-                  <a:schemeClr val="accent1"/>
-                </a:solidFill>
-              </a:rPr>
-              <a:t>开口说</a:t>
-            </a:r>
-          </a:p>
-        </p:txBody>
-      </p:sp>
-      <p:sp>
-        <p:nvSpPr>
-          <p:cNvPr id="7" name="文本占位符 6">
-            <a:extLst>
-              <a:ext uri="{FF2B5EF4-FFF2-40B4-BE49-F238E27FC236}">
-                <a16:creationId xmlns:a16="http://schemas.microsoft.com/office/drawing/2014/main" id="{BB727C42-8A48-C5EF-3364-46A3FCD8A096}"/>
-              </a:ext>
-            </a:extLst>
-          </p:cNvPr>
-          <p:cNvSpPr>
-            <a:spLocks noGrp="1"/>
-          </p:cNvSpPr>
-          <p:nvPr>
-            <p:ph type="body" sz="quarter" idx="10"/>
-          </p:nvPr>
-        </p:nvSpPr>
-        <p:spPr>
-          <a:xfrm>
-            <a:off x="1416050" y="1292225"/>
-            <a:ext cx="9118600" cy="4306888"/>
-          </a:xfrm>
-          <a:prstGeom prst="rect">
-            <a:avLst/>
-          </a:prstGeom>
-        </p:spPr>
-        <p:txBody>
-          <a:bodyPr/>
-          <a:lstStyle>
-            <a:lvl1pPr>
-              <a:buNone/>
-              <a:defRPr/>
-            </a:lvl1pPr>
-          </a:lstStyle>
-          <a:p>
-            <a:pPr lvl="0"/>
-            <a:endParaRPr lang="zh-CN" altLang="en-US" dirty="0"/>
-          </a:p>
-        </p:txBody>
-      </p:sp>
-    </p:spTree>
-    <p:extLst>
-      <p:ext uri="{BB962C8B-B14F-4D97-AF65-F5344CB8AC3E}">
-        <p14:creationId xmlns:p14="http://schemas.microsoft.com/office/powerpoint/2010/main" val="564832751"/>
-      </p:ext>
-    </p:extLst>
-  </p:cSld>
-  <p:clrMapOvr>
-    <a:masterClrMapping/>
-  </p:clrMapOvr>
-</p:sldLayout>
-</file>
-
 <file path=ppt/slideMasters/slideMaster1.xml><?xml version="1.0" encoding="utf-8"?>
 <p:sldMaster xmlns:a="http://schemas.openxmlformats.org/drawingml/2006/main" xmlns:r="http://schemas.openxmlformats.org/officeDocument/2006/relationships" xmlns:p="http://schemas.openxmlformats.org/presentationml/2006/main">
   <p:cSld>
@@ -9286,22 +9427,23 @@
   <p:sldLayoutIdLst>
     <p:sldLayoutId id="2147483649" r:id="rId1"/>
     <p:sldLayoutId id="2147483650" r:id="rId2"/>
-    <p:sldLayoutId id="2147483651" r:id="rId3"/>
-    <p:sldLayoutId id="2147483652" r:id="rId4"/>
-    <p:sldLayoutId id="2147483653" r:id="rId5"/>
-    <p:sldLayoutId id="2147483654" r:id="rId6"/>
-    <p:sldLayoutId id="2147483655" r:id="rId7"/>
-    <p:sldLayoutId id="2147483656" r:id="rId8"/>
-    <p:sldLayoutId id="2147483657" r:id="rId9"/>
-    <p:sldLayoutId id="2147483658" r:id="rId10"/>
-    <p:sldLayoutId id="2147483659" r:id="rId11"/>
-    <p:sldLayoutId id="2147483660" r:id="rId12"/>
-    <p:sldLayoutId id="2147483661" r:id="rId13"/>
-    <p:sldLayoutId id="2147483662" r:id="rId14"/>
-    <p:sldLayoutId id="2147483663" r:id="rId15"/>
-    <p:sldLayoutId id="2147483664" r:id="rId16"/>
-    <p:sldLayoutId id="2147483665" r:id="rId17"/>
-    <p:sldLayoutId id="2147483666" r:id="rId18"/>
+    <p:sldLayoutId id="2147483667" r:id="rId3"/>
+    <p:sldLayoutId id="2147483651" r:id="rId4"/>
+    <p:sldLayoutId id="2147483652" r:id="rId5"/>
+    <p:sldLayoutId id="2147483653" r:id="rId6"/>
+    <p:sldLayoutId id="2147483654" r:id="rId7"/>
+    <p:sldLayoutId id="2147483655" r:id="rId8"/>
+    <p:sldLayoutId id="2147483656" r:id="rId9"/>
+    <p:sldLayoutId id="2147483657" r:id="rId10"/>
+    <p:sldLayoutId id="2147483658" r:id="rId11"/>
+    <p:sldLayoutId id="2147483659" r:id="rId12"/>
+    <p:sldLayoutId id="2147483660" r:id="rId13"/>
+    <p:sldLayoutId id="2147483661" r:id="rId14"/>
+    <p:sldLayoutId id="2147483662" r:id="rId15"/>
+    <p:sldLayoutId id="2147483663" r:id="rId16"/>
+    <p:sldLayoutId id="2147483664" r:id="rId17"/>
+    <p:sldLayoutId id="2147483665" r:id="rId18"/>
+    <p:sldLayoutId id="2147483666" r:id="rId19"/>
   </p:sldLayoutIdLst>
   <p:txStyles>
     <p:titleStyle>
